--- a/docs/songs/an army of ordinary people.pptx
+++ b/docs/songs/an army of ordinary people.pptx
@@ -7,8 +7,9 @@
   <p:sldIdLst>
     <p:sldId id="518" r:id="rId2"/>
     <p:sldId id="520" r:id="rId3"/>
-    <p:sldId id="521" r:id="rId4"/>
+    <p:sldId id="523" r:id="rId4"/>
     <p:sldId id="522" r:id="rId5"/>
+    <p:sldId id="524" r:id="rId6"/>
   </p:sldIdLst>
   <p:sldSz cx="9144000" cy="6858000" type="screen4x3"/>
   <p:notesSz cx="6858000" cy="9144000"/>
@@ -308,7 +309,7 @@
             <a:fld id="{26EA1CF3-4A15-4CBF-9A5A-6A56C368BE71}" type="datetimeFigureOut">
               <a:rPr lang="en-GB" smtClean="0"/>
               <a:pPr/>
-              <a:t>25/01/2023</a:t>
+              <a:t>17/02/2025</a:t>
             </a:fld>
             <a:endParaRPr lang="en-GB"/>
           </a:p>
@@ -475,7 +476,7 @@
             <a:fld id="{26EA1CF3-4A15-4CBF-9A5A-6A56C368BE71}" type="datetimeFigureOut">
               <a:rPr lang="en-GB" smtClean="0"/>
               <a:pPr/>
-              <a:t>25/01/2023</a:t>
+              <a:t>17/02/2025</a:t>
             </a:fld>
             <a:endParaRPr lang="en-GB"/>
           </a:p>
@@ -652,7 +653,7 @@
             <a:fld id="{26EA1CF3-4A15-4CBF-9A5A-6A56C368BE71}" type="datetimeFigureOut">
               <a:rPr lang="en-GB" smtClean="0"/>
               <a:pPr/>
-              <a:t>25/01/2023</a:t>
+              <a:t>17/02/2025</a:t>
             </a:fld>
             <a:endParaRPr lang="en-GB"/>
           </a:p>
@@ -819,7 +820,7 @@
             <a:fld id="{26EA1CF3-4A15-4CBF-9A5A-6A56C368BE71}" type="datetimeFigureOut">
               <a:rPr lang="en-GB" smtClean="0"/>
               <a:pPr/>
-              <a:t>25/01/2023</a:t>
+              <a:t>17/02/2025</a:t>
             </a:fld>
             <a:endParaRPr lang="en-GB"/>
           </a:p>
@@ -1062,7 +1063,7 @@
             <a:fld id="{26EA1CF3-4A15-4CBF-9A5A-6A56C368BE71}" type="datetimeFigureOut">
               <a:rPr lang="en-GB" smtClean="0"/>
               <a:pPr/>
-              <a:t>25/01/2023</a:t>
+              <a:t>17/02/2025</a:t>
             </a:fld>
             <a:endParaRPr lang="en-GB"/>
           </a:p>
@@ -1347,7 +1348,7 @@
             <a:fld id="{26EA1CF3-4A15-4CBF-9A5A-6A56C368BE71}" type="datetimeFigureOut">
               <a:rPr lang="en-GB" smtClean="0"/>
               <a:pPr/>
-              <a:t>25/01/2023</a:t>
+              <a:t>17/02/2025</a:t>
             </a:fld>
             <a:endParaRPr lang="en-GB"/>
           </a:p>
@@ -1766,7 +1767,7 @@
             <a:fld id="{26EA1CF3-4A15-4CBF-9A5A-6A56C368BE71}" type="datetimeFigureOut">
               <a:rPr lang="en-GB" smtClean="0"/>
               <a:pPr/>
-              <a:t>25/01/2023</a:t>
+              <a:t>17/02/2025</a:t>
             </a:fld>
             <a:endParaRPr lang="en-GB"/>
           </a:p>
@@ -1881,7 +1882,7 @@
             <a:fld id="{26EA1CF3-4A15-4CBF-9A5A-6A56C368BE71}" type="datetimeFigureOut">
               <a:rPr lang="en-GB" smtClean="0"/>
               <a:pPr/>
-              <a:t>25/01/2023</a:t>
+              <a:t>17/02/2025</a:t>
             </a:fld>
             <a:endParaRPr lang="en-GB"/>
           </a:p>
@@ -1973,7 +1974,7 @@
             <a:fld id="{26EA1CF3-4A15-4CBF-9A5A-6A56C368BE71}" type="datetimeFigureOut">
               <a:rPr lang="en-GB" smtClean="0"/>
               <a:pPr/>
-              <a:t>25/01/2023</a:t>
+              <a:t>17/02/2025</a:t>
             </a:fld>
             <a:endParaRPr lang="en-GB"/>
           </a:p>
@@ -2247,7 +2248,7 @@
             <a:fld id="{26EA1CF3-4A15-4CBF-9A5A-6A56C368BE71}" type="datetimeFigureOut">
               <a:rPr lang="en-GB" smtClean="0"/>
               <a:pPr/>
-              <a:t>25/01/2023</a:t>
+              <a:t>17/02/2025</a:t>
             </a:fld>
             <a:endParaRPr lang="en-GB"/>
           </a:p>
@@ -2497,7 +2498,7 @@
             <a:fld id="{26EA1CF3-4A15-4CBF-9A5A-6A56C368BE71}" type="datetimeFigureOut">
               <a:rPr lang="en-GB" smtClean="0"/>
               <a:pPr/>
-              <a:t>25/01/2023</a:t>
+              <a:t>17/02/2025</a:t>
             </a:fld>
             <a:endParaRPr lang="en-GB"/>
           </a:p>
@@ -2710,7 +2711,7 @@
             <a:fld id="{26EA1CF3-4A15-4CBF-9A5A-6A56C368BE71}" type="datetimeFigureOut">
               <a:rPr lang="en-GB" smtClean="0"/>
               <a:pPr/>
-              <a:t>25/01/2023</a:t>
+              <a:t>17/02/2025</a:t>
             </a:fld>
             <a:endParaRPr lang="en-GB"/>
           </a:p>
@@ -3272,7 +3273,7 @@
         </p:nvSpPr>
         <p:spPr>
           <a:xfrm>
-            <a:off x="323528" y="188640"/>
+            <a:off x="251520" y="692696"/>
             <a:ext cx="8640960" cy="6480720"/>
           </a:xfrm>
         </p:spPr>
@@ -3283,7 +3284,7 @@
           <a:lstStyle/>
           <a:p>
             <a:r>
-              <a:rPr lang="en-GB" sz="4000" dirty="0">
+              <a:rPr lang="en-GB" sz="3600" dirty="0">
                 <a:solidFill>
                   <a:schemeClr val="bg1"/>
                 </a:solidFill>
@@ -3293,7 +3294,7 @@
           </a:p>
           <a:p>
             <a:r>
-              <a:rPr lang="en-GB" sz="4000" dirty="0">
+              <a:rPr lang="en-GB" sz="3600" dirty="0">
                 <a:solidFill>
                   <a:schemeClr val="bg1"/>
                 </a:solidFill>
@@ -3303,7 +3304,7 @@
           </a:p>
           <a:p>
             <a:r>
-              <a:rPr lang="en-GB" sz="4000" dirty="0">
+              <a:rPr lang="en-GB" sz="3600" dirty="0">
                 <a:solidFill>
                   <a:schemeClr val="bg1"/>
                 </a:solidFill>
@@ -3313,7 +3314,7 @@
           </a:p>
           <a:p>
             <a:r>
-              <a:rPr lang="en-GB" sz="4000" dirty="0">
+              <a:rPr lang="en-GB" sz="3600" dirty="0">
                 <a:solidFill>
                   <a:schemeClr val="bg1"/>
                 </a:solidFill>
@@ -3323,7 +3324,7 @@
           </a:p>
           <a:p>
             <a:r>
-              <a:rPr lang="en-GB" sz="4000" dirty="0">
+              <a:rPr lang="en-GB" sz="3600" dirty="0">
                 <a:solidFill>
                   <a:schemeClr val="bg1"/>
                 </a:solidFill>
@@ -3333,7 +3334,7 @@
           </a:p>
           <a:p>
             <a:r>
-              <a:rPr lang="en-GB" sz="4000" dirty="0">
+              <a:rPr lang="en-GB" sz="3600" dirty="0">
                 <a:solidFill>
                   <a:schemeClr val="bg1"/>
                 </a:solidFill>
@@ -3343,7 +3344,7 @@
           </a:p>
           <a:p>
             <a:r>
-              <a:rPr lang="en-GB" sz="4000" dirty="0">
+              <a:rPr lang="en-GB" sz="3600" dirty="0">
                 <a:solidFill>
                   <a:schemeClr val="bg1"/>
                 </a:solidFill>
@@ -3353,7 +3354,7 @@
           </a:p>
           <a:p>
             <a:r>
-              <a:rPr lang="en-GB" sz="4000" dirty="0">
+              <a:rPr lang="en-GB" sz="3600" dirty="0">
                 <a:solidFill>
                   <a:schemeClr val="bg1"/>
                 </a:solidFill>
@@ -3391,7 +3392,7 @@
                   <a:schemeClr val="bg1"/>
                 </a:solidFill>
               </a:rPr>
-              <a:t>1/3</a:t>
+              <a:t>1/4</a:t>
             </a:r>
           </a:p>
         </p:txBody>
@@ -3414,7 +3415,13 @@
   <p:cSld>
     <p:spTree>
       <p:nvGrpSpPr>
-        <p:cNvPr id="1" name=""/>
+        <p:cNvPr id="1" name="">
+          <a:extLst>
+            <a:ext uri="{FF2B5EF4-FFF2-40B4-BE49-F238E27FC236}">
+              <a16:creationId xmlns:a16="http://schemas.microsoft.com/office/drawing/2014/main" id="{258F4B3C-5724-B7ED-D0F0-400E0FB0F54E}"/>
+            </a:ext>
+          </a:extLst>
+        </p:cNvPr>
         <p:cNvGrpSpPr/>
         <p:nvPr/>
       </p:nvGrpSpPr>
@@ -3428,7 +3435,13 @@
       </p:grpSpPr>
       <p:sp>
         <p:nvSpPr>
-          <p:cNvPr id="3" name="Subtitle 2"/>
+          <p:cNvPr id="3" name="Subtitle 2">
+            <a:extLst>
+              <a:ext uri="{FF2B5EF4-FFF2-40B4-BE49-F238E27FC236}">
+                <a16:creationId xmlns:a16="http://schemas.microsoft.com/office/drawing/2014/main" id="{61219729-6D04-C8AB-6092-E0514A2324AB}"/>
+              </a:ext>
+            </a:extLst>
+          </p:cNvPr>
           <p:cNvSpPr>
             <a:spLocks noGrp="1"/>
           </p:cNvSpPr>
@@ -3438,7 +3451,7 @@
         </p:nvSpPr>
         <p:spPr>
           <a:xfrm>
-            <a:off x="323528" y="188640"/>
+            <a:off x="251520" y="692696"/>
             <a:ext cx="8640960" cy="6480720"/>
           </a:xfrm>
         </p:spPr>
@@ -3449,89 +3462,95 @@
           <a:lstStyle/>
           <a:p>
             <a:r>
-              <a:rPr lang="en-GB" sz="4000" dirty="0">
-                <a:solidFill>
-                  <a:schemeClr val="bg1"/>
-                </a:solidFill>
-              </a:rPr>
-              <a:t>An army of ordinary people</a:t>
-            </a:r>
-          </a:p>
-          <a:p>
-            <a:r>
-              <a:rPr lang="en-GB" sz="4000" dirty="0">
-                <a:solidFill>
-                  <a:schemeClr val="bg1"/>
-                </a:solidFill>
-              </a:rPr>
-              <a:t>A kingdom where love is the key</a:t>
-            </a:r>
-          </a:p>
-          <a:p>
-            <a:r>
-              <a:rPr lang="en-GB" sz="4000" dirty="0">
-                <a:solidFill>
-                  <a:schemeClr val="bg1"/>
-                </a:solidFill>
-              </a:rPr>
-              <a:t>A city a light to the nations</a:t>
-            </a:r>
-          </a:p>
-          <a:p>
-            <a:r>
-              <a:rPr lang="en-GB" sz="4000" dirty="0">
-                <a:solidFill>
-                  <a:schemeClr val="bg1"/>
-                </a:solidFill>
-              </a:rPr>
-              <a:t>Heirs to the promise are we</a:t>
-            </a:r>
-          </a:p>
-          <a:p>
-            <a:r>
-              <a:rPr lang="en-GB" sz="4000" dirty="0">
-                <a:solidFill>
-                  <a:schemeClr val="bg1"/>
-                </a:solidFill>
-              </a:rPr>
-              <a:t>A people whose life is in Jesus</a:t>
-            </a:r>
-          </a:p>
-          <a:p>
-            <a:r>
-              <a:rPr lang="en-GB" sz="4000" dirty="0">
-                <a:solidFill>
-                  <a:schemeClr val="bg1"/>
-                </a:solidFill>
-              </a:rPr>
-              <a:t>A nation together we stand</a:t>
-            </a:r>
-          </a:p>
-          <a:p>
-            <a:r>
-              <a:rPr lang="en-GB" sz="4000" dirty="0">
-                <a:solidFill>
-                  <a:schemeClr val="bg1"/>
-                </a:solidFill>
-              </a:rPr>
-              <a:t>Only through grace are we worthy</a:t>
-            </a:r>
-          </a:p>
-          <a:p>
-            <a:r>
-              <a:rPr lang="en-GB" sz="4000" dirty="0">
-                <a:solidFill>
-                  <a:schemeClr val="bg1"/>
-                </a:solidFill>
-              </a:rPr>
-              <a:t>Inheritors of the land</a:t>
-            </a:r>
-          </a:p>
-        </p:txBody>
-      </p:sp>
-      <p:sp>
-        <p:nvSpPr>
-          <p:cNvPr id="4" name="TextBox 3"/>
+              <a:rPr lang="en-GB" sz="3600" dirty="0">
+                <a:solidFill>
+                  <a:schemeClr val="bg1"/>
+                </a:solidFill>
+              </a:rPr>
+              <a:t>A new day is dawning</a:t>
+            </a:r>
+          </a:p>
+          <a:p>
+            <a:r>
+              <a:rPr lang="en-GB" sz="3600" dirty="0">
+                <a:solidFill>
+                  <a:schemeClr val="bg1"/>
+                </a:solidFill>
+              </a:rPr>
+              <a:t>A new age to come</a:t>
+            </a:r>
+          </a:p>
+          <a:p>
+            <a:r>
+              <a:rPr lang="en-GB" sz="3600" dirty="0">
+                <a:solidFill>
+                  <a:schemeClr val="bg1"/>
+                </a:solidFill>
+              </a:rPr>
+              <a:t>When the children of promise</a:t>
+            </a:r>
+          </a:p>
+          <a:p>
+            <a:r>
+              <a:rPr lang="en-GB" sz="3600" dirty="0">
+                <a:solidFill>
+                  <a:schemeClr val="bg1"/>
+                </a:solidFill>
+              </a:rPr>
+              <a:t>Shall flow together as one</a:t>
+            </a:r>
+          </a:p>
+          <a:p>
+            <a:r>
+              <a:rPr lang="en-GB" sz="3600" dirty="0">
+                <a:solidFill>
+                  <a:schemeClr val="bg1"/>
+                </a:solidFill>
+              </a:rPr>
+              <a:t>A truth long neglected</a:t>
+            </a:r>
+          </a:p>
+          <a:p>
+            <a:r>
+              <a:rPr lang="en-GB" sz="3600" dirty="0">
+                <a:solidFill>
+                  <a:schemeClr val="bg1"/>
+                </a:solidFill>
+              </a:rPr>
+              <a:t>But the time has now come</a:t>
+            </a:r>
+          </a:p>
+          <a:p>
+            <a:r>
+              <a:rPr lang="en-GB" sz="3600" dirty="0">
+                <a:solidFill>
+                  <a:schemeClr val="bg1"/>
+                </a:solidFill>
+              </a:rPr>
+              <a:t>When the children of promise</a:t>
+            </a:r>
+          </a:p>
+          <a:p>
+            <a:r>
+              <a:rPr lang="en-GB" sz="3600" dirty="0">
+                <a:solidFill>
+                  <a:schemeClr val="bg1"/>
+                </a:solidFill>
+              </a:rPr>
+              <a:t>Shall flow together as one</a:t>
+            </a:r>
+          </a:p>
+        </p:txBody>
+      </p:sp>
+      <p:sp>
+        <p:nvSpPr>
+          <p:cNvPr id="4" name="TextBox 3">
+            <a:extLst>
+              <a:ext uri="{FF2B5EF4-FFF2-40B4-BE49-F238E27FC236}">
+                <a16:creationId xmlns:a16="http://schemas.microsoft.com/office/drawing/2014/main" id="{49F39B7D-4FD6-B70D-BA05-EE4C2C442502}"/>
+              </a:ext>
+            </a:extLst>
+          </p:cNvPr>
           <p:cNvSpPr txBox="1"/>
           <p:nvPr/>
         </p:nvSpPr>
@@ -3557,7 +3576,7 @@
                   <a:schemeClr val="bg1"/>
                 </a:solidFill>
               </a:rPr>
-              <a:t>2/3</a:t>
+              <a:t>2/4</a:t>
             </a:r>
           </a:p>
         </p:txBody>
@@ -3565,7 +3584,7 @@
     </p:spTree>
     <p:extLst>
       <p:ext uri="{BB962C8B-B14F-4D97-AF65-F5344CB8AC3E}">
-        <p14:creationId xmlns:p14="http://schemas.microsoft.com/office/powerpoint/2010/main" val="2096590806"/>
+        <p14:creationId xmlns:p14="http://schemas.microsoft.com/office/powerpoint/2010/main" val="3359643240"/>
       </p:ext>
     </p:extLst>
   </p:cSld>
@@ -3604,7 +3623,7 @@
         </p:nvSpPr>
         <p:spPr>
           <a:xfrm>
-            <a:off x="323528" y="188640"/>
+            <a:off x="201376" y="764704"/>
             <a:ext cx="8640960" cy="6480720"/>
           </a:xfrm>
         </p:spPr>
@@ -3615,7 +3634,7 @@
           <a:lstStyle/>
           <a:p>
             <a:r>
-              <a:rPr lang="en-GB" sz="4000" dirty="0">
+              <a:rPr lang="en-GB" sz="3600" dirty="0">
                 <a:solidFill>
                   <a:schemeClr val="bg1"/>
                 </a:solidFill>
@@ -3625,7 +3644,7 @@
           </a:p>
           <a:p>
             <a:r>
-              <a:rPr lang="en-GB" sz="4000" dirty="0">
+              <a:rPr lang="en-GB" sz="3600" dirty="0">
                 <a:solidFill>
                   <a:schemeClr val="bg1"/>
                 </a:solidFill>
@@ -3635,7 +3654,7 @@
           </a:p>
           <a:p>
             <a:r>
-              <a:rPr lang="en-GB" sz="4000" dirty="0">
+              <a:rPr lang="en-GB" sz="3600" dirty="0">
                 <a:solidFill>
                   <a:schemeClr val="bg1"/>
                 </a:solidFill>
@@ -3645,7 +3664,7 @@
           </a:p>
           <a:p>
             <a:r>
-              <a:rPr lang="en-GB" sz="4000" dirty="0">
+              <a:rPr lang="en-GB" sz="3600" dirty="0">
                 <a:solidFill>
                   <a:schemeClr val="bg1"/>
                 </a:solidFill>
@@ -3655,7 +3674,7 @@
           </a:p>
           <a:p>
             <a:r>
-              <a:rPr lang="en-GB" sz="4000" dirty="0">
+              <a:rPr lang="en-GB" sz="3600" dirty="0">
                 <a:solidFill>
                   <a:schemeClr val="bg1"/>
                 </a:solidFill>
@@ -3665,7 +3684,7 @@
           </a:p>
           <a:p>
             <a:r>
-              <a:rPr lang="en-GB" sz="4000" dirty="0">
+              <a:rPr lang="en-GB" sz="3600" dirty="0">
                 <a:solidFill>
                   <a:schemeClr val="bg1"/>
                 </a:solidFill>
@@ -3675,7 +3694,7 @@
           </a:p>
           <a:p>
             <a:r>
-              <a:rPr lang="en-GB" sz="4000" dirty="0">
+              <a:rPr lang="en-GB" sz="3600" dirty="0">
                 <a:solidFill>
                   <a:schemeClr val="bg1"/>
                 </a:solidFill>
@@ -3685,7 +3704,7 @@
           </a:p>
           <a:p>
             <a:r>
-              <a:rPr lang="en-GB" sz="4000" dirty="0">
+              <a:rPr lang="en-GB" sz="3600" dirty="0">
                 <a:solidFill>
                   <a:schemeClr val="bg1"/>
                 </a:solidFill>
@@ -3693,7 +3712,7 @@
               <a:t>This </a:t>
             </a:r>
             <a:r>
-              <a:rPr lang="en-GB" sz="4000" dirty="0" err="1">
+              <a:rPr lang="en-GB" sz="3600" dirty="0" err="1">
                 <a:solidFill>
                   <a:schemeClr val="bg1"/>
                 </a:solidFill>
@@ -3701,7 +3720,7 @@
               <a:t>vict'ry</a:t>
             </a:r>
             <a:r>
-              <a:rPr lang="en-GB" sz="4000" dirty="0">
+              <a:rPr lang="en-GB" sz="3600" dirty="0">
                 <a:solidFill>
                   <a:schemeClr val="bg1"/>
                 </a:solidFill>
@@ -3739,7 +3758,7 @@
                   <a:schemeClr val="bg1"/>
                 </a:solidFill>
               </a:rPr>
-              <a:t>3/3</a:t>
+              <a:t>3/4</a:t>
             </a:r>
           </a:p>
         </p:txBody>
@@ -3748,6 +3767,190 @@
     <p:extLst>
       <p:ext uri="{BB962C8B-B14F-4D97-AF65-F5344CB8AC3E}">
         <p14:creationId xmlns:p14="http://schemas.microsoft.com/office/powerpoint/2010/main" val="4078139600"/>
+      </p:ext>
+    </p:extLst>
+  </p:cSld>
+  <p:clrMapOvr>
+    <a:masterClrMapping/>
+  </p:clrMapOvr>
+</p:sld>
+</file>
+
+<file path=ppt/slides/slide5.xml><?xml version="1.0" encoding="utf-8"?>
+<p:sld xmlns:a="http://schemas.openxmlformats.org/drawingml/2006/main" xmlns:r="http://schemas.openxmlformats.org/officeDocument/2006/relationships" xmlns:p="http://schemas.openxmlformats.org/presentationml/2006/main">
+  <p:cSld>
+    <p:spTree>
+      <p:nvGrpSpPr>
+        <p:cNvPr id="1" name="">
+          <a:extLst>
+            <a:ext uri="{FF2B5EF4-FFF2-40B4-BE49-F238E27FC236}">
+              <a16:creationId xmlns:a16="http://schemas.microsoft.com/office/drawing/2014/main" id="{D2374600-CC8A-BE82-F991-B1576DABD785}"/>
+            </a:ext>
+          </a:extLst>
+        </p:cNvPr>
+        <p:cNvGrpSpPr/>
+        <p:nvPr/>
+      </p:nvGrpSpPr>
+      <p:grpSpPr>
+        <a:xfrm>
+          <a:off x="0" y="0"/>
+          <a:ext cx="0" cy="0"/>
+          <a:chOff x="0" y="0"/>
+          <a:chExt cx="0" cy="0"/>
+        </a:xfrm>
+      </p:grpSpPr>
+      <p:sp>
+        <p:nvSpPr>
+          <p:cNvPr id="3" name="Subtitle 2">
+            <a:extLst>
+              <a:ext uri="{FF2B5EF4-FFF2-40B4-BE49-F238E27FC236}">
+                <a16:creationId xmlns:a16="http://schemas.microsoft.com/office/drawing/2014/main" id="{94AAFB97-86D9-DBCC-8FC8-57035FC8D7AB}"/>
+              </a:ext>
+            </a:extLst>
+          </p:cNvPr>
+          <p:cNvSpPr>
+            <a:spLocks noGrp="1"/>
+          </p:cNvSpPr>
+          <p:nvPr>
+            <p:ph type="subTitle" idx="1"/>
+          </p:nvPr>
+        </p:nvSpPr>
+        <p:spPr>
+          <a:xfrm>
+            <a:off x="251520" y="692696"/>
+            <a:ext cx="8640960" cy="6480720"/>
+          </a:xfrm>
+        </p:spPr>
+        <p:txBody>
+          <a:bodyPr>
+            <a:noAutofit/>
+          </a:bodyPr>
+          <a:lstStyle/>
+          <a:p>
+            <a:r>
+              <a:rPr lang="en-GB" sz="3600" dirty="0">
+                <a:solidFill>
+                  <a:schemeClr val="bg1"/>
+                </a:solidFill>
+              </a:rPr>
+              <a:t>A new day is dawning</a:t>
+            </a:r>
+          </a:p>
+          <a:p>
+            <a:r>
+              <a:rPr lang="en-GB" sz="3600" dirty="0">
+                <a:solidFill>
+                  <a:schemeClr val="bg1"/>
+                </a:solidFill>
+              </a:rPr>
+              <a:t>A new age to come</a:t>
+            </a:r>
+          </a:p>
+          <a:p>
+            <a:r>
+              <a:rPr lang="en-GB" sz="3600" dirty="0">
+                <a:solidFill>
+                  <a:schemeClr val="bg1"/>
+                </a:solidFill>
+              </a:rPr>
+              <a:t>When the children of promise</a:t>
+            </a:r>
+          </a:p>
+          <a:p>
+            <a:r>
+              <a:rPr lang="en-GB" sz="3600" dirty="0">
+                <a:solidFill>
+                  <a:schemeClr val="bg1"/>
+                </a:solidFill>
+              </a:rPr>
+              <a:t>Shall flow together as one</a:t>
+            </a:r>
+          </a:p>
+          <a:p>
+            <a:r>
+              <a:rPr lang="en-GB" sz="3600" dirty="0">
+                <a:solidFill>
+                  <a:schemeClr val="bg1"/>
+                </a:solidFill>
+              </a:rPr>
+              <a:t>A truth long neglected</a:t>
+            </a:r>
+          </a:p>
+          <a:p>
+            <a:r>
+              <a:rPr lang="en-GB" sz="3600" dirty="0">
+                <a:solidFill>
+                  <a:schemeClr val="bg1"/>
+                </a:solidFill>
+              </a:rPr>
+              <a:t>But the time has now come</a:t>
+            </a:r>
+          </a:p>
+          <a:p>
+            <a:r>
+              <a:rPr lang="en-GB" sz="3600" dirty="0">
+                <a:solidFill>
+                  <a:schemeClr val="bg1"/>
+                </a:solidFill>
+              </a:rPr>
+              <a:t>When the children of promise</a:t>
+            </a:r>
+          </a:p>
+          <a:p>
+            <a:r>
+              <a:rPr lang="en-GB" sz="3600" dirty="0">
+                <a:solidFill>
+                  <a:schemeClr val="bg1"/>
+                </a:solidFill>
+              </a:rPr>
+              <a:t>Shall flow together as one</a:t>
+            </a:r>
+          </a:p>
+        </p:txBody>
+      </p:sp>
+      <p:sp>
+        <p:nvSpPr>
+          <p:cNvPr id="4" name="TextBox 3">
+            <a:extLst>
+              <a:ext uri="{FF2B5EF4-FFF2-40B4-BE49-F238E27FC236}">
+                <a16:creationId xmlns:a16="http://schemas.microsoft.com/office/drawing/2014/main" id="{FD3A1B17-EB66-372C-3C1A-D80A4FE3CB9A}"/>
+              </a:ext>
+            </a:extLst>
+          </p:cNvPr>
+          <p:cNvSpPr txBox="1"/>
+          <p:nvPr/>
+        </p:nvSpPr>
+        <p:spPr>
+          <a:xfrm>
+            <a:off x="8529729" y="0"/>
+            <a:ext cx="628698" cy="461665"/>
+          </a:xfrm>
+          <a:prstGeom prst="rect">
+            <a:avLst/>
+          </a:prstGeom>
+          <a:noFill/>
+        </p:spPr>
+        <p:txBody>
+          <a:bodyPr wrap="none" rtlCol="0">
+            <a:spAutoFit/>
+          </a:bodyPr>
+          <a:lstStyle/>
+          <a:p>
+            <a:r>
+              <a:rPr lang="en-GB" sz="2400" b="1" dirty="0">
+                <a:solidFill>
+                  <a:schemeClr val="bg1"/>
+                </a:solidFill>
+              </a:rPr>
+              <a:t>4/4</a:t>
+            </a:r>
+          </a:p>
+        </p:txBody>
+      </p:sp>
+    </p:spTree>
+    <p:extLst>
+      <p:ext uri="{BB962C8B-B14F-4D97-AF65-F5344CB8AC3E}">
+        <p14:creationId xmlns:p14="http://schemas.microsoft.com/office/powerpoint/2010/main" val="2623972211"/>
       </p:ext>
     </p:extLst>
   </p:cSld>
